--- a/slides/Factors.pptx
+++ b/slides/Factors.pptx
@@ -8,6 +8,7 @@
     <p:sldId id="256" r:id="rId2"/>
     <p:sldId id="258" r:id="rId3"/>
     <p:sldId id="257" r:id="rId4"/>
+    <p:sldId id="259" r:id="rId5"/>
   </p:sldIdLst>
   <p:sldSz cx="12192000" cy="6858000"/>
   <p:notesSz cx="6858000" cy="9144000"/>
@@ -3425,7 +3426,7 @@
           <a:lstStyle/>
           <a:p>
             <a:r>
-              <a:rPr lang="en-US"/>
+              <a:rPr lang="en-US" dirty="0"/>
               <a:t>Exercise</a:t>
             </a:r>
           </a:p>
@@ -3608,6 +3609,100 @@
     <p:extLst>
       <p:ext uri="{BB962C8B-B14F-4D97-AF65-F5344CB8AC3E}">
         <p14:creationId xmlns:p14="http://schemas.microsoft.com/office/powerpoint/2010/main" val="3173656392"/>
+      </p:ext>
+    </p:extLst>
+  </p:cSld>
+  <p:clrMapOvr>
+    <a:masterClrMapping/>
+  </p:clrMapOvr>
+</p:sld>
+</file>
+
+<file path=ppt/slides/slide4.xml><?xml version="1.0" encoding="utf-8"?>
+<p:sld xmlns:a="http://schemas.openxmlformats.org/drawingml/2006/main" xmlns:r="http://schemas.openxmlformats.org/officeDocument/2006/relationships" xmlns:p="http://schemas.openxmlformats.org/presentationml/2006/main">
+  <p:cSld>
+    <p:spTree>
+      <p:nvGrpSpPr>
+        <p:cNvPr id="1" name=""/>
+        <p:cNvGrpSpPr/>
+        <p:nvPr/>
+      </p:nvGrpSpPr>
+      <p:grpSpPr>
+        <a:xfrm>
+          <a:off x="0" y="0"/>
+          <a:ext cx="0" cy="0"/>
+          <a:chOff x="0" y="0"/>
+          <a:chExt cx="0" cy="0"/>
+        </a:xfrm>
+      </p:grpSpPr>
+      <p:sp>
+        <p:nvSpPr>
+          <p:cNvPr id="2" name="Title 1">
+            <a:extLst>
+              <a:ext uri="{FF2B5EF4-FFF2-40B4-BE49-F238E27FC236}">
+                <a16:creationId xmlns:a16="http://schemas.microsoft.com/office/drawing/2014/main" id="{1FD136A4-538B-5040-87C4-FEAF3513BC40}"/>
+              </a:ext>
+            </a:extLst>
+          </p:cNvPr>
+          <p:cNvSpPr>
+            <a:spLocks noGrp="1"/>
+          </p:cNvSpPr>
+          <p:nvPr>
+            <p:ph type="title"/>
+          </p:nvPr>
+        </p:nvSpPr>
+        <p:spPr/>
+        <p:txBody>
+          <a:bodyPr/>
+          <a:lstStyle/>
+          <a:p>
+            <a:r>
+              <a:rPr lang="en-US" dirty="0"/>
+              <a:t>Exercise</a:t>
+            </a:r>
+          </a:p>
+        </p:txBody>
+      </p:sp>
+      <p:sp>
+        <p:nvSpPr>
+          <p:cNvPr id="3" name="Content Placeholder 2">
+            <a:extLst>
+              <a:ext uri="{FF2B5EF4-FFF2-40B4-BE49-F238E27FC236}">
+                <a16:creationId xmlns:a16="http://schemas.microsoft.com/office/drawing/2014/main" id="{7F3F6E89-0BCE-A741-B94F-08F3FB2DCE0C}"/>
+              </a:ext>
+            </a:extLst>
+          </p:cNvPr>
+          <p:cNvSpPr>
+            <a:spLocks noGrp="1"/>
+          </p:cNvSpPr>
+          <p:nvPr>
+            <p:ph idx="1"/>
+          </p:nvPr>
+        </p:nvSpPr>
+        <p:spPr/>
+        <p:txBody>
+          <a:bodyPr/>
+          <a:lstStyle/>
+          <a:p>
+            <a:r>
+              <a:rPr lang="en-US" dirty="0"/>
+              <a:t>Isolate the data for "Australia", "Korea, Dem. Rep.", and "Korea, Rep." in </a:t>
+            </a:r>
+            <a:r>
+              <a:rPr lang="en-US"/>
+              <a:t>the 2000s. </a:t>
+            </a:r>
+            <a:r>
+              <a:rPr lang="en-US" dirty="0"/>
+              <a:t>Revalue the country factor levels to "Oz", "North Korea", and "South Korea"</a:t>
+            </a:r>
+          </a:p>
+        </p:txBody>
+      </p:sp>
+    </p:spTree>
+    <p:extLst>
+      <p:ext uri="{BB962C8B-B14F-4D97-AF65-F5344CB8AC3E}">
+        <p14:creationId xmlns:p14="http://schemas.microsoft.com/office/powerpoint/2010/main" val="586422780"/>
       </p:ext>
     </p:extLst>
   </p:cSld>

--- a/slides/Factors.pptx
+++ b/slides/Factors.pptx
@@ -9,6 +9,9 @@
     <p:sldId id="258" r:id="rId3"/>
     <p:sldId id="257" r:id="rId4"/>
     <p:sldId id="259" r:id="rId5"/>
+    <p:sldId id="260" r:id="rId6"/>
+    <p:sldId id="261" r:id="rId7"/>
+    <p:sldId id="262" r:id="rId8"/>
   </p:sldIdLst>
   <p:sldSz cx="12192000" cy="6858000"/>
   <p:notesSz cx="6858000" cy="9144000"/>
@@ -3450,45 +3453,47 @@
         </p:nvSpPr>
         <p:spPr/>
         <p:txBody>
-          <a:bodyPr/>
-          <a:lstStyle/>
-          <a:p>
-            <a:r>
-              <a:rPr lang="en-US" dirty="0"/>
+          <a:bodyPr>
+            <a:normAutofit/>
+          </a:bodyPr>
+          <a:lstStyle/>
+          <a:p>
+            <a:r>
+              <a:rPr lang="en-US" sz="4000" dirty="0"/>
               <a:t>Filter the </a:t>
             </a:r>
             <a:r>
-              <a:rPr lang="en-US" dirty="0" err="1"/>
+              <a:rPr lang="en-US" sz="4000" dirty="0" err="1"/>
               <a:t>gapminder</a:t>
             </a:r>
             <a:r>
-              <a:rPr lang="en-US" dirty="0"/>
+              <a:rPr lang="en-US" sz="4000" dirty="0"/>
               <a:t> data down to rows where population is less than a quarter of a million, i.e. 250,000. Get rid of the unused factor levels for country and continent in different ways, such as: </a:t>
             </a:r>
             <a:br>
-              <a:rPr lang="en-US" dirty="0"/>
+              <a:rPr lang="en-US" sz="4000" dirty="0"/>
             </a:br>
-            <a:endParaRPr lang="en-US" dirty="0"/>
+            <a:endParaRPr lang="en-US" sz="4000" dirty="0"/>
           </a:p>
           <a:p>
             <a:pPr lvl="1"/>
             <a:r>
-              <a:rPr lang="en-US" dirty="0" err="1"/>
+              <a:rPr lang="en-US" sz="4000" dirty="0" err="1"/>
               <a:t>droplevels</a:t>
             </a:r>
             <a:r>
-              <a:rPr lang="en-US" dirty="0"/>
+              <a:rPr lang="en-US" sz="4000" dirty="0"/>
               <a:t>(), or </a:t>
             </a:r>
           </a:p>
           <a:p>
             <a:pPr lvl="1"/>
             <a:r>
-              <a:rPr lang="en-US" dirty="0" err="1"/>
+              <a:rPr lang="en-US" sz="4000" dirty="0" err="1"/>
               <a:t>fct_drop</a:t>
             </a:r>
             <a:r>
-              <a:rPr lang="en-US" dirty="0"/>
+              <a:rPr lang="en-US" sz="4000" dirty="0"/>
               <a:t>() inside mutate()</a:t>
             </a:r>
           </a:p>
@@ -3568,38 +3573,45 @@
             <p:ph idx="1"/>
           </p:nvPr>
         </p:nvSpPr>
-        <p:spPr/>
-        <p:txBody>
-          <a:bodyPr/>
-          <a:lstStyle/>
-          <a:p>
-            <a:r>
-              <a:rPr lang="en-US" dirty="0"/>
+        <p:spPr>
+          <a:xfrm>
+            <a:off x="849086" y="1825625"/>
+            <a:ext cx="10515600" cy="4351338"/>
+          </a:xfrm>
+        </p:spPr>
+        <p:txBody>
+          <a:bodyPr>
+            <a:normAutofit/>
+          </a:bodyPr>
+          <a:lstStyle/>
+          <a:p>
+            <a:r>
+              <a:rPr lang="en-US" sz="4000" dirty="0"/>
               <a:t>Make a plot of </a:t>
             </a:r>
             <a:r>
-              <a:rPr lang="en-US" dirty="0" err="1"/>
+              <a:rPr lang="en-US" sz="4000" dirty="0" err="1"/>
               <a:t>gdpPercap</a:t>
             </a:r>
             <a:r>
-              <a:rPr lang="en-US" dirty="0"/>
+              <a:rPr lang="en-US" sz="4000" dirty="0"/>
               <a:t> for each Asian country in 2007</a:t>
             </a:r>
           </a:p>
           <a:p>
             <a:r>
-              <a:rPr lang="en-US" dirty="0"/>
+              <a:rPr lang="en-US" sz="4000" dirty="0"/>
               <a:t>Make sure the countries appear in order in increasing </a:t>
             </a:r>
             <a:r>
-              <a:rPr lang="en-US" dirty="0" err="1"/>
+              <a:rPr lang="en-US" sz="4000" dirty="0" err="1"/>
               <a:t>gdpPercap</a:t>
             </a:r>
-            <a:endParaRPr lang="en-US" dirty="0"/>
-          </a:p>
-          <a:p>
-            <a:r>
-              <a:rPr lang="en-US" dirty="0"/>
+            <a:endParaRPr lang="en-US" sz="4000" dirty="0"/>
+          </a:p>
+          <a:p>
+            <a:r>
+              <a:rPr lang="en-US" sz="4000" dirty="0"/>
               <a:t>OPTIONAL: Move Thailand to be the first country displayed</a:t>
             </a:r>
           </a:p>
@@ -3686,15 +3698,7 @@
           <a:p>
             <a:r>
               <a:rPr lang="en-US" dirty="0"/>
-              <a:t>Isolate the data for "Australia", "Korea, Dem. Rep.", and "Korea, Rep." in </a:t>
-            </a:r>
-            <a:r>
-              <a:rPr lang="en-US"/>
-              <a:t>the 2000s. </a:t>
-            </a:r>
-            <a:r>
-              <a:rPr lang="en-US" dirty="0"/>
-              <a:t>Revalue the country factor levels to "Oz", "North Korea", and "South Korea"</a:t>
+              <a:t>Isolate the data for "Australia", "Korea, Dem. Rep.", and "Korea, Rep." in the 2000s. Revalue the country factor levels to "Oz", "North Korea", and "South Korea"</a:t>
             </a:r>
           </a:p>
         </p:txBody>
@@ -3703,6 +3707,278 @@
     <p:extLst>
       <p:ext uri="{BB962C8B-B14F-4D97-AF65-F5344CB8AC3E}">
         <p14:creationId xmlns:p14="http://schemas.microsoft.com/office/powerpoint/2010/main" val="586422780"/>
+      </p:ext>
+    </p:extLst>
+  </p:cSld>
+  <p:clrMapOvr>
+    <a:masterClrMapping/>
+  </p:clrMapOvr>
+</p:sld>
+</file>
+
+<file path=ppt/slides/slide5.xml><?xml version="1.0" encoding="utf-8"?>
+<p:sld xmlns:a="http://schemas.openxmlformats.org/drawingml/2006/main" xmlns:r="http://schemas.openxmlformats.org/officeDocument/2006/relationships" xmlns:p="http://schemas.openxmlformats.org/presentationml/2006/main">
+  <p:cSld>
+    <p:spTree>
+      <p:nvGrpSpPr>
+        <p:cNvPr id="1" name=""/>
+        <p:cNvGrpSpPr/>
+        <p:nvPr/>
+      </p:nvGrpSpPr>
+      <p:grpSpPr>
+        <a:xfrm>
+          <a:off x="0" y="0"/>
+          <a:ext cx="0" cy="0"/>
+          <a:chOff x="0" y="0"/>
+          <a:chExt cx="0" cy="0"/>
+        </a:xfrm>
+      </p:grpSpPr>
+      <p:sp>
+        <p:nvSpPr>
+          <p:cNvPr id="2" name="Title 1">
+            <a:extLst>
+              <a:ext uri="{FF2B5EF4-FFF2-40B4-BE49-F238E27FC236}">
+                <a16:creationId xmlns:a16="http://schemas.microsoft.com/office/drawing/2014/main" id="{3AF77A4B-FA07-0347-8097-33F79C0CB892}"/>
+              </a:ext>
+            </a:extLst>
+          </p:cNvPr>
+          <p:cNvSpPr>
+            <a:spLocks noGrp="1"/>
+          </p:cNvSpPr>
+          <p:nvPr>
+            <p:ph type="title"/>
+          </p:nvPr>
+        </p:nvSpPr>
+        <p:spPr/>
+        <p:txBody>
+          <a:bodyPr/>
+          <a:lstStyle/>
+          <a:p>
+            <a:r>
+              <a:rPr lang="en-US" dirty="0"/>
+              <a:t>Exercise</a:t>
+            </a:r>
+          </a:p>
+        </p:txBody>
+      </p:sp>
+      <p:sp>
+        <p:nvSpPr>
+          <p:cNvPr id="3" name="Content Placeholder 2">
+            <a:extLst>
+              <a:ext uri="{FF2B5EF4-FFF2-40B4-BE49-F238E27FC236}">
+                <a16:creationId xmlns:a16="http://schemas.microsoft.com/office/drawing/2014/main" id="{36979FC5-5D6E-1A42-AD1C-848A9A2C7A4F}"/>
+              </a:ext>
+            </a:extLst>
+          </p:cNvPr>
+          <p:cNvSpPr>
+            <a:spLocks noGrp="1"/>
+          </p:cNvSpPr>
+          <p:nvPr>
+            <p:ph idx="1"/>
+          </p:nvPr>
+        </p:nvSpPr>
+        <p:spPr/>
+        <p:txBody>
+          <a:bodyPr/>
+          <a:lstStyle/>
+          <a:p>
+            <a:r>
+              <a:rPr lang="en-US" dirty="0"/>
+              <a:t>Explore the distribution of </a:t>
+            </a:r>
+            <a:r>
+              <a:rPr lang="en-US" dirty="0" err="1"/>
+              <a:t>rincome</a:t>
+            </a:r>
+            <a:r>
+              <a:rPr lang="en-US" dirty="0"/>
+              <a:t> (reported income). What makes the default bar chart hard to understand? How could you improve the plot?</a:t>
+            </a:r>
+          </a:p>
+          <a:p>
+            <a:pPr marL="0" indent="0">
+              <a:buNone/>
+            </a:pPr>
+            <a:endParaRPr lang="en-US" dirty="0"/>
+          </a:p>
+        </p:txBody>
+      </p:sp>
+    </p:spTree>
+    <p:extLst>
+      <p:ext uri="{BB962C8B-B14F-4D97-AF65-F5344CB8AC3E}">
+        <p14:creationId xmlns:p14="http://schemas.microsoft.com/office/powerpoint/2010/main" val="4052858024"/>
+      </p:ext>
+    </p:extLst>
+  </p:cSld>
+  <p:clrMapOvr>
+    <a:masterClrMapping/>
+  </p:clrMapOvr>
+</p:sld>
+</file>
+
+<file path=ppt/slides/slide6.xml><?xml version="1.0" encoding="utf-8"?>
+<p:sld xmlns:a="http://schemas.openxmlformats.org/drawingml/2006/main" xmlns:r="http://schemas.openxmlformats.org/officeDocument/2006/relationships" xmlns:p="http://schemas.openxmlformats.org/presentationml/2006/main">
+  <p:cSld>
+    <p:spTree>
+      <p:nvGrpSpPr>
+        <p:cNvPr id="1" name=""/>
+        <p:cNvGrpSpPr/>
+        <p:nvPr/>
+      </p:nvGrpSpPr>
+      <p:grpSpPr>
+        <a:xfrm>
+          <a:off x="0" y="0"/>
+          <a:ext cx="0" cy="0"/>
+          <a:chOff x="0" y="0"/>
+          <a:chExt cx="0" cy="0"/>
+        </a:xfrm>
+      </p:grpSpPr>
+      <p:sp>
+        <p:nvSpPr>
+          <p:cNvPr id="2" name="Title 1">
+            <a:extLst>
+              <a:ext uri="{FF2B5EF4-FFF2-40B4-BE49-F238E27FC236}">
+                <a16:creationId xmlns:a16="http://schemas.microsoft.com/office/drawing/2014/main" id="{BCD7A2EE-F43F-6B42-9F43-BC84137D4557}"/>
+              </a:ext>
+            </a:extLst>
+          </p:cNvPr>
+          <p:cNvSpPr>
+            <a:spLocks noGrp="1"/>
+          </p:cNvSpPr>
+          <p:nvPr>
+            <p:ph type="title"/>
+          </p:nvPr>
+        </p:nvSpPr>
+        <p:spPr/>
+        <p:txBody>
+          <a:bodyPr/>
+          <a:lstStyle/>
+          <a:p>
+            <a:r>
+              <a:rPr lang="en-US" dirty="0"/>
+              <a:t>Exercise</a:t>
+            </a:r>
+          </a:p>
+        </p:txBody>
+      </p:sp>
+      <p:sp>
+        <p:nvSpPr>
+          <p:cNvPr id="3" name="Content Placeholder 2">
+            <a:extLst>
+              <a:ext uri="{FF2B5EF4-FFF2-40B4-BE49-F238E27FC236}">
+                <a16:creationId xmlns:a16="http://schemas.microsoft.com/office/drawing/2014/main" id="{3581A935-C8CD-0843-B59D-7634373ABDFD}"/>
+              </a:ext>
+            </a:extLst>
+          </p:cNvPr>
+          <p:cNvSpPr>
+            <a:spLocks noGrp="1"/>
+          </p:cNvSpPr>
+          <p:nvPr>
+            <p:ph idx="1"/>
+          </p:nvPr>
+        </p:nvSpPr>
+        <p:spPr/>
+        <p:txBody>
+          <a:bodyPr/>
+          <a:lstStyle/>
+          <a:p>
+            <a:r>
+              <a:rPr lang="en-US" dirty="0"/>
+              <a:t>Plot the average number of hours spent watching TV per day across religions:</a:t>
+            </a:r>
+          </a:p>
+        </p:txBody>
+      </p:sp>
+    </p:spTree>
+    <p:extLst>
+      <p:ext uri="{BB962C8B-B14F-4D97-AF65-F5344CB8AC3E}">
+        <p14:creationId xmlns:p14="http://schemas.microsoft.com/office/powerpoint/2010/main" val="3554705591"/>
+      </p:ext>
+    </p:extLst>
+  </p:cSld>
+  <p:clrMapOvr>
+    <a:masterClrMapping/>
+  </p:clrMapOvr>
+</p:sld>
+</file>
+
+<file path=ppt/slides/slide7.xml><?xml version="1.0" encoding="utf-8"?>
+<p:sld xmlns:a="http://schemas.openxmlformats.org/drawingml/2006/main" xmlns:r="http://schemas.openxmlformats.org/officeDocument/2006/relationships" xmlns:p="http://schemas.openxmlformats.org/presentationml/2006/main">
+  <p:cSld>
+    <p:spTree>
+      <p:nvGrpSpPr>
+        <p:cNvPr id="1" name=""/>
+        <p:cNvGrpSpPr/>
+        <p:nvPr/>
+      </p:nvGrpSpPr>
+      <p:grpSpPr>
+        <a:xfrm>
+          <a:off x="0" y="0"/>
+          <a:ext cx="0" cy="0"/>
+          <a:chOff x="0" y="0"/>
+          <a:chExt cx="0" cy="0"/>
+        </a:xfrm>
+      </p:grpSpPr>
+      <p:sp>
+        <p:nvSpPr>
+          <p:cNvPr id="2" name="Title 1">
+            <a:extLst>
+              <a:ext uri="{FF2B5EF4-FFF2-40B4-BE49-F238E27FC236}">
+                <a16:creationId xmlns:a16="http://schemas.microsoft.com/office/drawing/2014/main" id="{724E8730-F752-7A47-B683-693BB95C0E7A}"/>
+              </a:ext>
+            </a:extLst>
+          </p:cNvPr>
+          <p:cNvSpPr>
+            <a:spLocks noGrp="1"/>
+          </p:cNvSpPr>
+          <p:nvPr>
+            <p:ph type="title"/>
+          </p:nvPr>
+        </p:nvSpPr>
+        <p:spPr/>
+        <p:txBody>
+          <a:bodyPr/>
+          <a:lstStyle/>
+          <a:p>
+            <a:r>
+              <a:rPr lang="en-US" dirty="0"/>
+              <a:t>Exercise</a:t>
+            </a:r>
+          </a:p>
+        </p:txBody>
+      </p:sp>
+      <p:sp>
+        <p:nvSpPr>
+          <p:cNvPr id="3" name="Content Placeholder 2">
+            <a:extLst>
+              <a:ext uri="{FF2B5EF4-FFF2-40B4-BE49-F238E27FC236}">
+                <a16:creationId xmlns:a16="http://schemas.microsoft.com/office/drawing/2014/main" id="{17353EDF-CEBA-3247-A1D1-FAE04B6711CF}"/>
+              </a:ext>
+            </a:extLst>
+          </p:cNvPr>
+          <p:cNvSpPr>
+            <a:spLocks noGrp="1"/>
+          </p:cNvSpPr>
+          <p:nvPr>
+            <p:ph idx="1"/>
+          </p:nvPr>
+        </p:nvSpPr>
+        <p:spPr/>
+        <p:txBody>
+          <a:bodyPr/>
+          <a:lstStyle/>
+          <a:p>
+            <a:r>
+              <a:rPr lang="en-US" dirty="0"/>
+              <a:t>Now, let’s create a similar plot looking at how average age varies across reported income level?</a:t>
+            </a:r>
+          </a:p>
+        </p:txBody>
+      </p:sp>
+    </p:spTree>
+    <p:extLst>
+      <p:ext uri="{BB962C8B-B14F-4D97-AF65-F5344CB8AC3E}">
+        <p14:creationId xmlns:p14="http://schemas.microsoft.com/office/powerpoint/2010/main" val="2189464068"/>
       </p:ext>
     </p:extLst>
   </p:cSld>
